--- a/fall2019mlads.pptx
+++ b/fall2019mlads.pptx
@@ -293,7 +293,7 @@
               <a:rPr lang="en-US" smtClean="0">
                 <a:latin typeface="Segoe UI" pitchFamily="34" charset="0"/>
               </a:rPr>
-              <a:t>11/20/2019 5:42 PM</a:t>
+              <a:t>11/21/2019 8:07 AM</a:t>
             </a:fld>
             <a:endParaRPr lang="en-US" dirty="0">
               <a:latin typeface="Segoe UI" pitchFamily="34" charset="0"/>
@@ -571,7 +571,7 @@
           <a:p>
             <a:fld id="{386CE63F-9E7F-4C04-9D0D-FCA25A8E9E86}" type="datetime8">
               <a:rPr lang="en-US" smtClean="0"/>
-              <a:t>11/19/2019 7:17 PM</a:t>
+              <a:t>11/21/2019 7:47 AM</a:t>
             </a:fld>
             <a:endParaRPr lang="en-US" dirty="0"/>
           </a:p>
@@ -938,7 +938,7 @@
           <a:p>
             <a:fld id="{62072DC8-D49D-432C-9D46-A7718B5F5490}" type="datetime8">
               <a:rPr lang="en-US" smtClean="0"/>
-              <a:t>11/19/2019 7:17 PM</a:t>
+              <a:t>11/21/2019 7:47 AM</a:t>
             </a:fld>
             <a:endParaRPr lang="en-US" dirty="0"/>
           </a:p>
@@ -1103,7 +1103,7 @@
           <a:p>
             <a:fld id="{3619146B-24F9-441E-A368-DB3B5A84C1D4}" type="datetime8">
               <a:rPr lang="en-US" smtClean="0"/>
-              <a:t>11/19/2019 7:17 PM</a:t>
+              <a:t>11/21/2019 7:47 AM</a:t>
             </a:fld>
             <a:endParaRPr lang="en-US" dirty="0"/>
           </a:p>
@@ -1466,7 +1466,7 @@
           <a:p>
             <a:fld id="{EA2B2ED8-C573-45EF-BF68-CEC19505703A}" type="datetime8">
               <a:rPr lang="en-US" smtClean="0"/>
-              <a:t>11/19/2019 7:17 PM</a:t>
+              <a:t>11/21/2019 7:47 AM</a:t>
             </a:fld>
             <a:endParaRPr lang="en-US" dirty="0"/>
           </a:p>
@@ -1676,7 +1676,7 @@
           <a:p>
             <a:fld id="{EA2B2ED8-C573-45EF-BF68-CEC19505703A}" type="datetime8">
               <a:rPr lang="en-US" smtClean="0"/>
-              <a:t>11/19/2019 7:17 PM</a:t>
+              <a:t>11/21/2019 7:47 AM</a:t>
             </a:fld>
             <a:endParaRPr lang="en-US" dirty="0"/>
           </a:p>
@@ -1925,7 +1925,7 @@
           <a:p>
             <a:fld id="{386CE63F-9E7F-4C04-9D0D-FCA25A8E9E86}" type="datetime8">
               <a:rPr lang="en-US" smtClean="0"/>
-              <a:t>11/20/2019 7:12 PM</a:t>
+              <a:t>11/21/2019 7:47 AM</a:t>
             </a:fld>
             <a:endParaRPr lang="en-US" dirty="0"/>
           </a:p>
@@ -2106,7 +2106,7 @@
           <a:p>
             <a:fld id="{386CE63F-9E7F-4C04-9D0D-FCA25A8E9E86}" type="datetime8">
               <a:rPr lang="en-US" smtClean="0"/>
-              <a:t>11/20/2019 9:37 PM</a:t>
+              <a:t>11/21/2019 7:47 AM</a:t>
             </a:fld>
             <a:endParaRPr lang="en-US" dirty="0"/>
           </a:p>
@@ -2287,7 +2287,7 @@
           <a:p>
             <a:fld id="{386CE63F-9E7F-4C04-9D0D-FCA25A8E9E86}" type="datetime8">
               <a:rPr lang="en-US" smtClean="0"/>
-              <a:t>11/20/2019 9:22 PM</a:t>
+              <a:t>11/21/2019 7:47 AM</a:t>
             </a:fld>
             <a:endParaRPr lang="en-US" dirty="0"/>
           </a:p>
@@ -2468,7 +2468,7 @@
           <a:p>
             <a:fld id="{386CE63F-9E7F-4C04-9D0D-FCA25A8E9E86}" type="datetime8">
               <a:rPr lang="en-US" smtClean="0"/>
-              <a:t>11/19/2019 7:17 PM</a:t>
+              <a:t>11/21/2019 7:47 AM</a:t>
             </a:fld>
             <a:endParaRPr lang="en-US" dirty="0"/>
           </a:p>
@@ -2618,7 +2618,7 @@
                   <a:prstClr val="black"/>
                 </a:solidFill>
               </a:rPr>
-              <a:t>11/19/2019 7:17 PM</a:t>
+              <a:t>11/21/2019 7:47 AM</a:t>
             </a:fld>
             <a:endParaRPr lang="en-US" dirty="0">
               <a:solidFill>
@@ -13981,7 +13981,7 @@
         <p:spPr>
           <a:xfrm>
             <a:off x="584200" y="1435100"/>
-            <a:ext cx="11018838" cy="1378839"/>
+            <a:ext cx="11018838" cy="947952"/>
           </a:xfrm>
         </p:spPr>
         <p:txBody>
@@ -13999,7 +13999,7 @@
           <a:p>
             <a:r>
               <a:rPr lang="en-US" dirty="0"/>
-              <a:t>The model needs a slowdown with a “dirty trick” to show the benefits of JIT</a:t>
+              <a:t>The model needs an artificial slowdown to show the benefits of JIT</a:t>
             </a:r>
           </a:p>
         </p:txBody>
@@ -15826,7 +15826,7 @@
               <a:rPr lang="en-US" dirty="0">
                 <a:latin typeface="Consolas" panose="020B0609020204030204" pitchFamily="49" charset="0"/>
               </a:rPr>
-              <a:t>pip -r requirements-gpu.txt </a:t>
+              <a:t>pip -r requirements-cpu.txt </a:t>
             </a:r>
           </a:p>
         </p:txBody>
@@ -16035,6 +16035,416 @@
           </a:p>
         </p:txBody>
       </p:sp>
+      <p:graphicFrame>
+        <p:nvGraphicFramePr>
+          <p:cNvPr id="4" name="Table 3">
+            <a:extLst>
+              <a:ext uri="{FF2B5EF4-FFF2-40B4-BE49-F238E27FC236}">
+                <a16:creationId xmlns:a16="http://schemas.microsoft.com/office/drawing/2014/main" id="{4345379C-FFCD-4780-B640-B08B384CA8A7}"/>
+              </a:ext>
+            </a:extLst>
+          </p:cNvPr>
+          <p:cNvGraphicFramePr>
+            <a:graphicFrameLocks noGrp="1"/>
+          </p:cNvGraphicFramePr>
+          <p:nvPr>
+            <p:extLst>
+              <p:ext uri="{D42A27DB-BD31-4B8C-83A1-F6EECF244321}">
+                <p14:modId xmlns:p14="http://schemas.microsoft.com/office/powerpoint/2010/main" val="278646956"/>
+              </p:ext>
+            </p:extLst>
+          </p:nvPr>
+        </p:nvGraphicFramePr>
+        <p:xfrm>
+          <a:off x="584200" y="3248025"/>
+          <a:ext cx="11018838" cy="912898"/>
+        </p:xfrm>
+        <a:graphic>
+          <a:graphicData uri="http://schemas.openxmlformats.org/drawingml/2006/table">
+            <a:tbl>
+              <a:tblPr/>
+              <a:tblGrid>
+                <a:gridCol w="1921890">
+                  <a:extLst>
+                    <a:ext uri="{9D8B030D-6E8A-4147-A177-3AD203B41FA5}">
+                      <a16:colId xmlns:a16="http://schemas.microsoft.com/office/drawing/2014/main" val="2440732118"/>
+                    </a:ext>
+                  </a:extLst>
+                </a:gridCol>
+                <a:gridCol w="2017985">
+                  <a:extLst>
+                    <a:ext uri="{9D8B030D-6E8A-4147-A177-3AD203B41FA5}">
+                      <a16:colId xmlns:a16="http://schemas.microsoft.com/office/drawing/2014/main" val="3579375089"/>
+                    </a:ext>
+                  </a:extLst>
+                </a:gridCol>
+                <a:gridCol w="2242205">
+                  <a:extLst>
+                    <a:ext uri="{9D8B030D-6E8A-4147-A177-3AD203B41FA5}">
+                      <a16:colId xmlns:a16="http://schemas.microsoft.com/office/drawing/2014/main" val="1956794853"/>
+                    </a:ext>
+                  </a:extLst>
+                </a:gridCol>
+                <a:gridCol w="2882836">
+                  <a:extLst>
+                    <a:ext uri="{9D8B030D-6E8A-4147-A177-3AD203B41FA5}">
+                      <a16:colId xmlns:a16="http://schemas.microsoft.com/office/drawing/2014/main" val="3386994836"/>
+                    </a:ext>
+                  </a:extLst>
+                </a:gridCol>
+                <a:gridCol w="1953922">
+                  <a:extLst>
+                    <a:ext uri="{9D8B030D-6E8A-4147-A177-3AD203B41FA5}">
+                      <a16:colId xmlns:a16="http://schemas.microsoft.com/office/drawing/2014/main" val="3839020428"/>
+                    </a:ext>
+                  </a:extLst>
+                </a:gridCol>
+              </a:tblGrid>
+              <a:tr h="456449">
+                <a:tc>
+                  <a:txBody>
+                    <a:bodyPr/>
+                    <a:lstStyle/>
+                    <a:p>
+                      <a:pPr algn="l" fontAlgn="b"/>
+                      <a:r>
+                        <a:rPr lang="en-US" sz="2400" b="1" i="0" u="none" strike="noStrike">
+                          <a:solidFill>
+                            <a:srgbClr val="000000"/>
+                          </a:solidFill>
+                          <a:effectLst/>
+                          <a:latin typeface="Calibri" panose="020F0502020204030204" pitchFamily="34" charset="0"/>
+                        </a:rPr>
+                        <a:t>Description</a:t>
+                      </a:r>
+                    </a:p>
+                  </a:txBody>
+                  <a:tcPr marL="12013" marR="12013" marT="12013" marB="0" anchor="b">
+                    <a:lnL>
+                      <a:noFill/>
+                    </a:lnL>
+                    <a:lnR>
+                      <a:noFill/>
+                    </a:lnR>
+                    <a:lnT>
+                      <a:noFill/>
+                    </a:lnT>
+                    <a:lnB>
+                      <a:noFill/>
+                    </a:lnB>
+                  </a:tcPr>
+                </a:tc>
+                <a:tc>
+                  <a:txBody>
+                    <a:bodyPr/>
+                    <a:lstStyle/>
+                    <a:p>
+                      <a:pPr algn="l" fontAlgn="b"/>
+                      <a:r>
+                        <a:rPr lang="en-US" sz="2400" b="1" i="0" u="none" strike="noStrike">
+                          <a:solidFill>
+                            <a:srgbClr val="000000"/>
+                          </a:solidFill>
+                          <a:effectLst/>
+                          <a:latin typeface="Calibri" panose="020F0502020204030204" pitchFamily="34" charset="0"/>
+                        </a:rPr>
+                        <a:t>Training time</a:t>
+                      </a:r>
+                    </a:p>
+                  </a:txBody>
+                  <a:tcPr marL="12013" marR="12013" marT="12013" marB="0" anchor="b">
+                    <a:lnL>
+                      <a:noFill/>
+                    </a:lnL>
+                    <a:lnR>
+                      <a:noFill/>
+                    </a:lnR>
+                    <a:lnT>
+                      <a:noFill/>
+                    </a:lnT>
+                    <a:lnB>
+                      <a:noFill/>
+                    </a:lnB>
+                  </a:tcPr>
+                </a:tc>
+                <a:tc>
+                  <a:txBody>
+                    <a:bodyPr/>
+                    <a:lstStyle/>
+                    <a:p>
+                      <a:pPr algn="l" fontAlgn="b"/>
+                      <a:r>
+                        <a:rPr lang="en-US" sz="2400" b="1" i="0" u="none" strike="noStrike" dirty="0">
+                          <a:solidFill>
+                            <a:srgbClr val="000000"/>
+                          </a:solidFill>
+                          <a:effectLst/>
+                          <a:latin typeface="Calibri" panose="020F0502020204030204" pitchFamily="34" charset="0"/>
+                        </a:rPr>
+                        <a:t>Last epoch loss</a:t>
+                      </a:r>
+                    </a:p>
+                  </a:txBody>
+                  <a:tcPr marL="12013" marR="12013" marT="12013" marB="0" anchor="b">
+                    <a:lnL>
+                      <a:noFill/>
+                    </a:lnL>
+                    <a:lnR>
+                      <a:noFill/>
+                    </a:lnR>
+                    <a:lnT>
+                      <a:noFill/>
+                    </a:lnT>
+                    <a:lnB>
+                      <a:noFill/>
+                    </a:lnB>
+                  </a:tcPr>
+                </a:tc>
+                <a:tc>
+                  <a:txBody>
+                    <a:bodyPr/>
+                    <a:lstStyle/>
+                    <a:p>
+                      <a:pPr algn="l" fontAlgn="b"/>
+                      <a:r>
+                        <a:rPr lang="en-US" sz="2400" b="1" i="0" u="none" strike="noStrike" dirty="0">
+                          <a:solidFill>
+                            <a:srgbClr val="000000"/>
+                          </a:solidFill>
+                          <a:effectLst/>
+                          <a:latin typeface="Calibri" panose="020F0502020204030204" pitchFamily="34" charset="0"/>
+                        </a:rPr>
+                        <a:t>Validation accuracy</a:t>
+                      </a:r>
+                    </a:p>
+                  </a:txBody>
+                  <a:tcPr marL="12013" marR="12013" marT="12013" marB="0" anchor="b">
+                    <a:lnL>
+                      <a:noFill/>
+                    </a:lnL>
+                    <a:lnR>
+                      <a:noFill/>
+                    </a:lnR>
+                    <a:lnT>
+                      <a:noFill/>
+                    </a:lnT>
+                    <a:lnB>
+                      <a:noFill/>
+                    </a:lnB>
+                  </a:tcPr>
+                </a:tc>
+                <a:tc>
+                  <a:txBody>
+                    <a:bodyPr/>
+                    <a:lstStyle/>
+                    <a:p>
+                      <a:pPr algn="l" fontAlgn="b"/>
+                      <a:r>
+                        <a:rPr lang="en-US" sz="2400" b="1" i="0" u="none" strike="noStrike">
+                          <a:solidFill>
+                            <a:srgbClr val="000000"/>
+                          </a:solidFill>
+                          <a:effectLst/>
+                          <a:latin typeface="Calibri" panose="020F0502020204030204" pitchFamily="34" charset="0"/>
+                        </a:rPr>
+                        <a:t>Solving time</a:t>
+                      </a:r>
+                    </a:p>
+                  </a:txBody>
+                  <a:tcPr marL="12013" marR="12013" marT="12013" marB="0" anchor="b">
+                    <a:lnL>
+                      <a:noFill/>
+                    </a:lnL>
+                    <a:lnR>
+                      <a:noFill/>
+                    </a:lnR>
+                    <a:lnT>
+                      <a:noFill/>
+                    </a:lnT>
+                    <a:lnB>
+                      <a:noFill/>
+                    </a:lnB>
+                  </a:tcPr>
+                </a:tc>
+                <a:extLst>
+                  <a:ext uri="{0D108BD9-81ED-4DB2-BD59-A6C34878D82A}">
+                    <a16:rowId xmlns:a16="http://schemas.microsoft.com/office/drawing/2014/main" val="3119941019"/>
+                  </a:ext>
+                </a:extLst>
+              </a:tr>
+              <a:tr h="456449">
+                <a:tc>
+                  <a:txBody>
+                    <a:bodyPr/>
+                    <a:lstStyle/>
+                    <a:p>
+                      <a:pPr algn="l" fontAlgn="b"/>
+                      <a:r>
+                        <a:rPr lang="en-US" sz="2400" b="0" i="0" u="none" strike="noStrike">
+                          <a:solidFill>
+                            <a:srgbClr val="000000"/>
+                          </a:solidFill>
+                          <a:effectLst/>
+                          <a:latin typeface="Calibri" panose="020F0502020204030204" pitchFamily="34" charset="0"/>
+                        </a:rPr>
+                        <a:t>Initial model</a:t>
+                      </a:r>
+                    </a:p>
+                  </a:txBody>
+                  <a:tcPr marL="12013" marR="12013" marT="12013" marB="0" anchor="b">
+                    <a:lnL>
+                      <a:noFill/>
+                    </a:lnL>
+                    <a:lnR>
+                      <a:noFill/>
+                    </a:lnR>
+                    <a:lnT>
+                      <a:noFill/>
+                    </a:lnT>
+                    <a:lnB>
+                      <a:noFill/>
+                    </a:lnB>
+                  </a:tcPr>
+                </a:tc>
+                <a:tc>
+                  <a:txBody>
+                    <a:bodyPr/>
+                    <a:lstStyle/>
+                    <a:p>
+                      <a:pPr algn="r" fontAlgn="b"/>
+                      <a:r>
+                        <a:rPr lang="en-US" sz="2400" b="0" i="0" u="none" strike="noStrike">
+                          <a:solidFill>
+                            <a:srgbClr val="000000"/>
+                          </a:solidFill>
+                          <a:effectLst/>
+                          <a:latin typeface="Calibri" panose="020F0502020204030204" pitchFamily="34" charset="0"/>
+                        </a:rPr>
+                        <a:t>133.765875</a:t>
+                      </a:r>
+                    </a:p>
+                  </a:txBody>
+                  <a:tcPr marL="12013" marR="12013" marT="12013" marB="0" anchor="b">
+                    <a:lnL>
+                      <a:noFill/>
+                    </a:lnL>
+                    <a:lnR>
+                      <a:noFill/>
+                    </a:lnR>
+                    <a:lnT>
+                      <a:noFill/>
+                    </a:lnT>
+                    <a:lnB>
+                      <a:noFill/>
+                    </a:lnB>
+                  </a:tcPr>
+                </a:tc>
+                <a:tc>
+                  <a:txBody>
+                    <a:bodyPr/>
+                    <a:lstStyle/>
+                    <a:p>
+                      <a:pPr algn="r" fontAlgn="b"/>
+                      <a:r>
+                        <a:rPr lang="en-US" sz="2400" b="0" i="0" u="none" strike="noStrike" dirty="0">
+                          <a:solidFill>
+                            <a:srgbClr val="000000"/>
+                          </a:solidFill>
+                          <a:effectLst/>
+                          <a:latin typeface="Calibri" panose="020F0502020204030204" pitchFamily="34" charset="0"/>
+                        </a:rPr>
+                        <a:t>18.20925325</a:t>
+                      </a:r>
+                    </a:p>
+                  </a:txBody>
+                  <a:tcPr marL="12013" marR="12013" marT="12013" marB="0" anchor="b">
+                    <a:lnL>
+                      <a:noFill/>
+                    </a:lnL>
+                    <a:lnR>
+                      <a:noFill/>
+                    </a:lnR>
+                    <a:lnT>
+                      <a:noFill/>
+                    </a:lnT>
+                    <a:lnB>
+                      <a:noFill/>
+                    </a:lnB>
+                  </a:tcPr>
+                </a:tc>
+                <a:tc>
+                  <a:txBody>
+                    <a:bodyPr/>
+                    <a:lstStyle/>
+                    <a:p>
+                      <a:pPr algn="r" fontAlgn="b"/>
+                      <a:r>
+                        <a:rPr lang="en-US" sz="2400" b="0" i="0" u="none" strike="noStrike" dirty="0">
+                          <a:solidFill>
+                            <a:srgbClr val="000000"/>
+                          </a:solidFill>
+                          <a:effectLst/>
+                          <a:latin typeface="Calibri" panose="020F0502020204030204" pitchFamily="34" charset="0"/>
+                        </a:rPr>
+                        <a:t>0.651515152</a:t>
+                      </a:r>
+                    </a:p>
+                  </a:txBody>
+                  <a:tcPr marL="12013" marR="12013" marT="12013" marB="0" anchor="b">
+                    <a:lnL>
+                      <a:noFill/>
+                    </a:lnL>
+                    <a:lnR>
+                      <a:noFill/>
+                    </a:lnR>
+                    <a:lnT>
+                      <a:noFill/>
+                    </a:lnT>
+                    <a:lnB>
+                      <a:noFill/>
+                    </a:lnB>
+                  </a:tcPr>
+                </a:tc>
+                <a:tc>
+                  <a:txBody>
+                    <a:bodyPr/>
+                    <a:lstStyle/>
+                    <a:p>
+                      <a:pPr algn="l" fontAlgn="b"/>
+                      <a:endParaRPr lang="en-US" sz="2400" b="0" i="0" u="none" strike="noStrike" dirty="0">
+                        <a:solidFill>
+                          <a:srgbClr val="000000"/>
+                        </a:solidFill>
+                        <a:effectLst/>
+                        <a:latin typeface="Calibri" panose="020F0502020204030204" pitchFamily="34" charset="0"/>
+                      </a:endParaRPr>
+                    </a:p>
+                  </a:txBody>
+                  <a:tcPr marL="12013" marR="12013" marT="12013" marB="0" anchor="b">
+                    <a:lnL>
+                      <a:noFill/>
+                    </a:lnL>
+                    <a:lnR>
+                      <a:noFill/>
+                    </a:lnR>
+                    <a:lnT>
+                      <a:noFill/>
+                    </a:lnT>
+                    <a:lnB>
+                      <a:noFill/>
+                    </a:lnB>
+                  </a:tcPr>
+                </a:tc>
+                <a:extLst>
+                  <a:ext uri="{0D108BD9-81ED-4DB2-BD59-A6C34878D82A}">
+                    <a16:rowId xmlns:a16="http://schemas.microsoft.com/office/drawing/2014/main" val="2148512563"/>
+                  </a:ext>
+                </a:extLst>
+              </a:tr>
+            </a:tbl>
+          </a:graphicData>
+        </a:graphic>
+      </p:graphicFrame>
     </p:spTree>
     <p:extLst>
       <p:ext uri="{BB962C8B-B14F-4D97-AF65-F5344CB8AC3E}">
@@ -16162,7 +16572,7 @@
             <a:pPr lvl="1"/>
             <a:r>
               <a:rPr lang="en-US" dirty="0"/>
-              <a:t>Try to get at least ~85% validation accuracy</a:t>
+              <a:t>Try to get at least ~90% validation accuracy</a:t>
             </a:r>
           </a:p>
           <a:p>
@@ -17041,13 +17451,12 @@
 </file>
 
 <file path=customXml/item1.xml><?xml version="1.0" encoding="utf-8"?>
-<p:properties xmlns:p="http://schemas.microsoft.com/office/2006/metadata/properties" xmlns:xsi="http://www.w3.org/2001/XMLSchema-instance" xmlns:pc="http://schemas.microsoft.com/office/infopath/2007/PartnerControls">
-  <documentManagement>
-    <_ip_UnifiedCompliancePolicyUIAction xmlns="http://schemas.microsoft.com/sharepoint/v3" xsi:nil="true"/>
-    <_ip_UnifiedCompliancePolicyProperties xmlns="http://schemas.microsoft.com/sharepoint/v3" xsi:nil="true"/>
-    <MediaServiceKeyPoints xmlns="e4aa919a-b200-49cb-beca-4c7e0810321e" xsi:nil="true"/>
-  </documentManagement>
-</p:properties>
+<?mso-contentType ?>
+<FormTemplates xmlns="http://schemas.microsoft.com/sharepoint/v3/contenttype/forms">
+  <Display>DocumentLibraryForm</Display>
+  <Edit>DocumentLibraryForm</Edit>
+  <New>DocumentLibraryForm</New>
+</FormTemplates>
 </file>
 
 <file path=customXml/item2.xml><?xml version="1.0" encoding="utf-8"?>
@@ -17285,28 +17694,19 @@
 </file>
 
 <file path=customXml/item3.xml><?xml version="1.0" encoding="utf-8"?>
-<?mso-contentType ?>
-<FormTemplates xmlns="http://schemas.microsoft.com/sharepoint/v3/contenttype/forms">
-  <Display>DocumentLibraryForm</Display>
-  <Edit>DocumentLibraryForm</Edit>
-  <New>DocumentLibraryForm</New>
-</FormTemplates>
+<p:properties xmlns:p="http://schemas.microsoft.com/office/2006/metadata/properties" xmlns:xsi="http://www.w3.org/2001/XMLSchema-instance" xmlns:pc="http://schemas.microsoft.com/office/infopath/2007/PartnerControls">
+  <documentManagement>
+    <_ip_UnifiedCompliancePolicyUIAction xmlns="http://schemas.microsoft.com/sharepoint/v3" xsi:nil="true"/>
+    <_ip_UnifiedCompliancePolicyProperties xmlns="http://schemas.microsoft.com/sharepoint/v3" xsi:nil="true"/>
+    <MediaServiceKeyPoints xmlns="e4aa919a-b200-49cb-beca-4c7e0810321e" xsi:nil="true"/>
+  </documentManagement>
+</p:properties>
 </file>
 
 <file path=customXml/itemProps1.xml><?xml version="1.0" encoding="utf-8"?>
-<ds:datastoreItem xmlns:ds="http://schemas.openxmlformats.org/officeDocument/2006/customXml" ds:itemID="{F990F116-B58F-4255-B05B-DA3808E0E5C6}">
+<ds:datastoreItem xmlns:ds="http://schemas.openxmlformats.org/officeDocument/2006/customXml" ds:itemID="{758FDAC0-319D-4A54-8D8E-1D42CB1F8004}">
   <ds:schemaRefs>
-    <ds:schemaRef ds:uri="http://schemas.microsoft.com/office/2006/metadata/properties"/>
-    <ds:schemaRef ds:uri="http://purl.org/dc/elements/1.1/"/>
-    <ds:schemaRef ds:uri="06670dda-0291-4061-b6e0-f6c0cb392c51"/>
-    <ds:schemaRef ds:uri="http://schemas.microsoft.com/sharepoint/v3"/>
-    <ds:schemaRef ds:uri="http://schemas.openxmlformats.org/package/2006/metadata/core-properties"/>
-    <ds:schemaRef ds:uri="http://purl.org/dc/terms/"/>
-    <ds:schemaRef ds:uri="http://schemas.microsoft.com/office/infopath/2007/PartnerControls"/>
-    <ds:schemaRef ds:uri="http://schemas.microsoft.com/office/2006/documentManagement/types"/>
-    <ds:schemaRef ds:uri="e4aa919a-b200-49cb-beca-4c7e0810321e"/>
-    <ds:schemaRef ds:uri="http://www.w3.org/XML/1998/namespace"/>
-    <ds:schemaRef ds:uri="http://purl.org/dc/dcmitype/"/>
+    <ds:schemaRef ds:uri="http://schemas.microsoft.com/sharepoint/v3/contenttype/forms"/>
   </ds:schemaRefs>
 </ds:datastoreItem>
 </file>
@@ -17332,9 +17732,19 @@
 </file>
 
 <file path=customXml/itemProps3.xml><?xml version="1.0" encoding="utf-8"?>
-<ds:datastoreItem xmlns:ds="http://schemas.openxmlformats.org/officeDocument/2006/customXml" ds:itemID="{758FDAC0-319D-4A54-8D8E-1D42CB1F8004}">
+<ds:datastoreItem xmlns:ds="http://schemas.openxmlformats.org/officeDocument/2006/customXml" ds:itemID="{F990F116-B58F-4255-B05B-DA3808E0E5C6}">
   <ds:schemaRefs>
-    <ds:schemaRef ds:uri="http://schemas.microsoft.com/sharepoint/v3/contenttype/forms"/>
+    <ds:schemaRef ds:uri="http://schemas.microsoft.com/office/2006/metadata/properties"/>
+    <ds:schemaRef ds:uri="http://purl.org/dc/elements/1.1/"/>
+    <ds:schemaRef ds:uri="06670dda-0291-4061-b6e0-f6c0cb392c51"/>
+    <ds:schemaRef ds:uri="http://schemas.microsoft.com/sharepoint/v3"/>
+    <ds:schemaRef ds:uri="http://schemas.openxmlformats.org/package/2006/metadata/core-properties"/>
+    <ds:schemaRef ds:uri="http://purl.org/dc/terms/"/>
+    <ds:schemaRef ds:uri="http://schemas.microsoft.com/office/infopath/2007/PartnerControls"/>
+    <ds:schemaRef ds:uri="http://schemas.microsoft.com/office/2006/documentManagement/types"/>
+    <ds:schemaRef ds:uri="e4aa919a-b200-49cb-beca-4c7e0810321e"/>
+    <ds:schemaRef ds:uri="http://www.w3.org/XML/1998/namespace"/>
+    <ds:schemaRef ds:uri="http://purl.org/dc/dcmitype/"/>
   </ds:schemaRefs>
 </ds:datastoreItem>
 </file>
--- a/fall2019mlads.pptx
+++ b/fall2019mlads.pptx
@@ -293,7 +293,7 @@
               <a:rPr lang="en-US" smtClean="0">
                 <a:latin typeface="Segoe UI" pitchFamily="34" charset="0"/>
               </a:rPr>
-              <a:t>11/21/2019 8:07 AM</a:t>
+              <a:t>11/21/2019 8:33 AM</a:t>
             </a:fld>
             <a:endParaRPr lang="en-US" dirty="0">
               <a:latin typeface="Segoe UI" pitchFamily="34" charset="0"/>
@@ -571,7 +571,7 @@
           <a:p>
             <a:fld id="{386CE63F-9E7F-4C04-9D0D-FCA25A8E9E86}" type="datetime8">
               <a:rPr lang="en-US" smtClean="0"/>
-              <a:t>11/21/2019 7:47 AM</a:t>
+              <a:t>11/21/2019 8:33 AM</a:t>
             </a:fld>
             <a:endParaRPr lang="en-US" dirty="0"/>
           </a:p>
@@ -938,7 +938,7 @@
           <a:p>
             <a:fld id="{62072DC8-D49D-432C-9D46-A7718B5F5490}" type="datetime8">
               <a:rPr lang="en-US" smtClean="0"/>
-              <a:t>11/21/2019 7:47 AM</a:t>
+              <a:t>11/21/2019 8:33 AM</a:t>
             </a:fld>
             <a:endParaRPr lang="en-US" dirty="0"/>
           </a:p>
@@ -1103,7 +1103,7 @@
           <a:p>
             <a:fld id="{3619146B-24F9-441E-A368-DB3B5A84C1D4}" type="datetime8">
               <a:rPr lang="en-US" smtClean="0"/>
-              <a:t>11/21/2019 7:47 AM</a:t>
+              <a:t>11/21/2019 8:33 AM</a:t>
             </a:fld>
             <a:endParaRPr lang="en-US" dirty="0"/>
           </a:p>
@@ -1466,7 +1466,7 @@
           <a:p>
             <a:fld id="{EA2B2ED8-C573-45EF-BF68-CEC19505703A}" type="datetime8">
               <a:rPr lang="en-US" smtClean="0"/>
-              <a:t>11/21/2019 7:47 AM</a:t>
+              <a:t>11/21/2019 8:33 AM</a:t>
             </a:fld>
             <a:endParaRPr lang="en-US" dirty="0"/>
           </a:p>
@@ -1676,7 +1676,7 @@
           <a:p>
             <a:fld id="{EA2B2ED8-C573-45EF-BF68-CEC19505703A}" type="datetime8">
               <a:rPr lang="en-US" smtClean="0"/>
-              <a:t>11/21/2019 7:47 AM</a:t>
+              <a:t>11/21/2019 8:33 AM</a:t>
             </a:fld>
             <a:endParaRPr lang="en-US" dirty="0"/>
           </a:p>
@@ -1925,7 +1925,7 @@
           <a:p>
             <a:fld id="{386CE63F-9E7F-4C04-9D0D-FCA25A8E9E86}" type="datetime8">
               <a:rPr lang="en-US" smtClean="0"/>
-              <a:t>11/21/2019 7:47 AM</a:t>
+              <a:t>11/21/2019 8:33 AM</a:t>
             </a:fld>
             <a:endParaRPr lang="en-US" dirty="0"/>
           </a:p>
@@ -2106,7 +2106,7 @@
           <a:p>
             <a:fld id="{386CE63F-9E7F-4C04-9D0D-FCA25A8E9E86}" type="datetime8">
               <a:rPr lang="en-US" smtClean="0"/>
-              <a:t>11/21/2019 7:47 AM</a:t>
+              <a:t>11/21/2019 8:33 AM</a:t>
             </a:fld>
             <a:endParaRPr lang="en-US" dirty="0"/>
           </a:p>
@@ -2287,7 +2287,7 @@
           <a:p>
             <a:fld id="{386CE63F-9E7F-4C04-9D0D-FCA25A8E9E86}" type="datetime8">
               <a:rPr lang="en-US" smtClean="0"/>
-              <a:t>11/21/2019 7:47 AM</a:t>
+              <a:t>11/21/2019 8:33 AM</a:t>
             </a:fld>
             <a:endParaRPr lang="en-US" dirty="0"/>
           </a:p>
@@ -2468,7 +2468,7 @@
           <a:p>
             <a:fld id="{386CE63F-9E7F-4C04-9D0D-FCA25A8E9E86}" type="datetime8">
               <a:rPr lang="en-US" smtClean="0"/>
-              <a:t>11/21/2019 7:47 AM</a:t>
+              <a:t>11/21/2019 8:33 AM</a:t>
             </a:fld>
             <a:endParaRPr lang="en-US" dirty="0"/>
           </a:p>
@@ -2618,7 +2618,7 @@
                   <a:prstClr val="black"/>
                 </a:solidFill>
               </a:rPr>
-              <a:t>11/21/2019 7:47 AM</a:t>
+              <a:t>11/21/2019 8:33 AM</a:t>
             </a:fld>
             <a:endParaRPr lang="en-US" dirty="0">
               <a:solidFill>
@@ -15617,7 +15617,7 @@
         <p:spPr>
           <a:xfrm>
             <a:off x="588263" y="3585727"/>
-            <a:ext cx="11018520" cy="861774"/>
+            <a:ext cx="11018520" cy="1292662"/>
           </a:xfrm>
           <a:prstGeom prst="rect">
             <a:avLst/>
@@ -15826,7 +15826,7 @@
               <a:rPr lang="en-US" dirty="0">
                 <a:latin typeface="Consolas" panose="020B0609020204030204" pitchFamily="49" charset="0"/>
               </a:rPr>
-              <a:t>pip -r requirements-cpu.txt </a:t>
+              <a:t>pip -r requirements-cpu.txt -f https://download.pytorch.org/whl/torch_stable.html</a:t>
             </a:r>
           </a:p>
         </p:txBody>
@@ -17451,12 +17451,13 @@
 </file>
 
 <file path=customXml/item1.xml><?xml version="1.0" encoding="utf-8"?>
-<?mso-contentType ?>
-<FormTemplates xmlns="http://schemas.microsoft.com/sharepoint/v3/contenttype/forms">
-  <Display>DocumentLibraryForm</Display>
-  <Edit>DocumentLibraryForm</Edit>
-  <New>DocumentLibraryForm</New>
-</FormTemplates>
+<p:properties xmlns:p="http://schemas.microsoft.com/office/2006/metadata/properties" xmlns:xsi="http://www.w3.org/2001/XMLSchema-instance" xmlns:pc="http://schemas.microsoft.com/office/infopath/2007/PartnerControls">
+  <documentManagement>
+    <_ip_UnifiedCompliancePolicyUIAction xmlns="http://schemas.microsoft.com/sharepoint/v3" xsi:nil="true"/>
+    <_ip_UnifiedCompliancePolicyProperties xmlns="http://schemas.microsoft.com/sharepoint/v3" xsi:nil="true"/>
+    <MediaServiceKeyPoints xmlns="e4aa919a-b200-49cb-beca-4c7e0810321e" xsi:nil="true"/>
+  </documentManagement>
+</p:properties>
 </file>
 
 <file path=customXml/item2.xml><?xml version="1.0" encoding="utf-8"?>
@@ -17694,19 +17695,28 @@
 </file>
 
 <file path=customXml/item3.xml><?xml version="1.0" encoding="utf-8"?>
-<p:properties xmlns:p="http://schemas.microsoft.com/office/2006/metadata/properties" xmlns:xsi="http://www.w3.org/2001/XMLSchema-instance" xmlns:pc="http://schemas.microsoft.com/office/infopath/2007/PartnerControls">
-  <documentManagement>
-    <_ip_UnifiedCompliancePolicyUIAction xmlns="http://schemas.microsoft.com/sharepoint/v3" xsi:nil="true"/>
-    <_ip_UnifiedCompliancePolicyProperties xmlns="http://schemas.microsoft.com/sharepoint/v3" xsi:nil="true"/>
-    <MediaServiceKeyPoints xmlns="e4aa919a-b200-49cb-beca-4c7e0810321e" xsi:nil="true"/>
-  </documentManagement>
-</p:properties>
+<?mso-contentType ?>
+<FormTemplates xmlns="http://schemas.microsoft.com/sharepoint/v3/contenttype/forms">
+  <Display>DocumentLibraryForm</Display>
+  <Edit>DocumentLibraryForm</Edit>
+  <New>DocumentLibraryForm</New>
+</FormTemplates>
 </file>
 
 <file path=customXml/itemProps1.xml><?xml version="1.0" encoding="utf-8"?>
-<ds:datastoreItem xmlns:ds="http://schemas.openxmlformats.org/officeDocument/2006/customXml" ds:itemID="{758FDAC0-319D-4A54-8D8E-1D42CB1F8004}">
+<ds:datastoreItem xmlns:ds="http://schemas.openxmlformats.org/officeDocument/2006/customXml" ds:itemID="{F990F116-B58F-4255-B05B-DA3808E0E5C6}">
   <ds:schemaRefs>
-    <ds:schemaRef ds:uri="http://schemas.microsoft.com/sharepoint/v3/contenttype/forms"/>
+    <ds:schemaRef ds:uri="http://schemas.microsoft.com/office/2006/metadata/properties"/>
+    <ds:schemaRef ds:uri="http://purl.org/dc/elements/1.1/"/>
+    <ds:schemaRef ds:uri="06670dda-0291-4061-b6e0-f6c0cb392c51"/>
+    <ds:schemaRef ds:uri="http://schemas.microsoft.com/sharepoint/v3"/>
+    <ds:schemaRef ds:uri="http://schemas.openxmlformats.org/package/2006/metadata/core-properties"/>
+    <ds:schemaRef ds:uri="http://purl.org/dc/terms/"/>
+    <ds:schemaRef ds:uri="http://schemas.microsoft.com/office/infopath/2007/PartnerControls"/>
+    <ds:schemaRef ds:uri="http://schemas.microsoft.com/office/2006/documentManagement/types"/>
+    <ds:schemaRef ds:uri="e4aa919a-b200-49cb-beca-4c7e0810321e"/>
+    <ds:schemaRef ds:uri="http://www.w3.org/XML/1998/namespace"/>
+    <ds:schemaRef ds:uri="http://purl.org/dc/dcmitype/"/>
   </ds:schemaRefs>
 </ds:datastoreItem>
 </file>
@@ -17732,19 +17742,9 @@
 </file>
 
 <file path=customXml/itemProps3.xml><?xml version="1.0" encoding="utf-8"?>
-<ds:datastoreItem xmlns:ds="http://schemas.openxmlformats.org/officeDocument/2006/customXml" ds:itemID="{F990F116-B58F-4255-B05B-DA3808E0E5C6}">
+<ds:datastoreItem xmlns:ds="http://schemas.openxmlformats.org/officeDocument/2006/customXml" ds:itemID="{758FDAC0-319D-4A54-8D8E-1D42CB1F8004}">
   <ds:schemaRefs>
-    <ds:schemaRef ds:uri="http://schemas.microsoft.com/office/2006/metadata/properties"/>
-    <ds:schemaRef ds:uri="http://purl.org/dc/elements/1.1/"/>
-    <ds:schemaRef ds:uri="06670dda-0291-4061-b6e0-f6c0cb392c51"/>
-    <ds:schemaRef ds:uri="http://schemas.microsoft.com/sharepoint/v3"/>
-    <ds:schemaRef ds:uri="http://schemas.openxmlformats.org/package/2006/metadata/core-properties"/>
-    <ds:schemaRef ds:uri="http://purl.org/dc/terms/"/>
-    <ds:schemaRef ds:uri="http://schemas.microsoft.com/office/infopath/2007/PartnerControls"/>
-    <ds:schemaRef ds:uri="http://schemas.microsoft.com/office/2006/documentManagement/types"/>
-    <ds:schemaRef ds:uri="e4aa919a-b200-49cb-beca-4c7e0810321e"/>
-    <ds:schemaRef ds:uri="http://www.w3.org/XML/1998/namespace"/>
-    <ds:schemaRef ds:uri="http://purl.org/dc/dcmitype/"/>
+    <ds:schemaRef ds:uri="http://schemas.microsoft.com/sharepoint/v3/contenttype/forms"/>
   </ds:schemaRefs>
 </ds:datastoreItem>
 </file>
--- a/fall2019mlads.pptx
+++ b/fall2019mlads.pptx
@@ -293,7 +293,7 @@
               <a:rPr lang="en-US" smtClean="0">
                 <a:latin typeface="Segoe UI" pitchFamily="34" charset="0"/>
               </a:rPr>
-              <a:t>11/21/2019 8:33 AM</a:t>
+              <a:t>11/21/2019 10:05 AM</a:t>
             </a:fld>
             <a:endParaRPr lang="en-US" dirty="0">
               <a:latin typeface="Segoe UI" pitchFamily="34" charset="0"/>
@@ -571,7 +571,7 @@
           <a:p>
             <a:fld id="{386CE63F-9E7F-4C04-9D0D-FCA25A8E9E86}" type="datetime8">
               <a:rPr lang="en-US" smtClean="0"/>
-              <a:t>11/21/2019 8:33 AM</a:t>
+              <a:t>11/21/2019 10:04 AM</a:t>
             </a:fld>
             <a:endParaRPr lang="en-US" dirty="0"/>
           </a:p>
@@ -938,7 +938,7 @@
           <a:p>
             <a:fld id="{62072DC8-D49D-432C-9D46-A7718B5F5490}" type="datetime8">
               <a:rPr lang="en-US" smtClean="0"/>
-              <a:t>11/21/2019 8:33 AM</a:t>
+              <a:t>11/21/2019 10:04 AM</a:t>
             </a:fld>
             <a:endParaRPr lang="en-US" dirty="0"/>
           </a:p>
@@ -1103,7 +1103,7 @@
           <a:p>
             <a:fld id="{3619146B-24F9-441E-A368-DB3B5A84C1D4}" type="datetime8">
               <a:rPr lang="en-US" smtClean="0"/>
-              <a:t>11/21/2019 8:33 AM</a:t>
+              <a:t>11/21/2019 10:05 AM</a:t>
             </a:fld>
             <a:endParaRPr lang="en-US" dirty="0"/>
           </a:p>
@@ -1466,7 +1466,7 @@
           <a:p>
             <a:fld id="{EA2B2ED8-C573-45EF-BF68-CEC19505703A}" type="datetime8">
               <a:rPr lang="en-US" smtClean="0"/>
-              <a:t>11/21/2019 8:33 AM</a:t>
+              <a:t>11/21/2019 10:05 AM</a:t>
             </a:fld>
             <a:endParaRPr lang="en-US" dirty="0"/>
           </a:p>
@@ -1676,7 +1676,7 @@
           <a:p>
             <a:fld id="{EA2B2ED8-C573-45EF-BF68-CEC19505703A}" type="datetime8">
               <a:rPr lang="en-US" smtClean="0"/>
-              <a:t>11/21/2019 8:33 AM</a:t>
+              <a:t>11/21/2019 10:05 AM</a:t>
             </a:fld>
             <a:endParaRPr lang="en-US" dirty="0"/>
           </a:p>
@@ -1925,7 +1925,7 @@
           <a:p>
             <a:fld id="{386CE63F-9E7F-4C04-9D0D-FCA25A8E9E86}" type="datetime8">
               <a:rPr lang="en-US" smtClean="0"/>
-              <a:t>11/21/2019 8:33 AM</a:t>
+              <a:t>11/21/2019 11:08 AM</a:t>
             </a:fld>
             <a:endParaRPr lang="en-US" dirty="0"/>
           </a:p>
@@ -2106,7 +2106,7 @@
           <a:p>
             <a:fld id="{386CE63F-9E7F-4C04-9D0D-FCA25A8E9E86}" type="datetime8">
               <a:rPr lang="en-US" smtClean="0"/>
-              <a:t>11/21/2019 8:33 AM</a:t>
+              <a:t>11/21/2019 10:05 AM</a:t>
             </a:fld>
             <a:endParaRPr lang="en-US" dirty="0"/>
           </a:p>
@@ -2287,7 +2287,7 @@
           <a:p>
             <a:fld id="{386CE63F-9E7F-4C04-9D0D-FCA25A8E9E86}" type="datetime8">
               <a:rPr lang="en-US" smtClean="0"/>
-              <a:t>11/21/2019 8:33 AM</a:t>
+              <a:t>11/21/2019 10:05 AM</a:t>
             </a:fld>
             <a:endParaRPr lang="en-US" dirty="0"/>
           </a:p>
@@ -2468,7 +2468,7 @@
           <a:p>
             <a:fld id="{386CE63F-9E7F-4C04-9D0D-FCA25A8E9E86}" type="datetime8">
               <a:rPr lang="en-US" smtClean="0"/>
-              <a:t>11/21/2019 8:33 AM</a:t>
+              <a:t>11/21/2019 10:05 AM</a:t>
             </a:fld>
             <a:endParaRPr lang="en-US" dirty="0"/>
           </a:p>
@@ -2618,7 +2618,7 @@
                   <a:prstClr val="black"/>
                 </a:solidFill>
               </a:rPr>
-              <a:t>11/21/2019 8:33 AM</a:t>
+              <a:t>11/21/2019 10:05 AM</a:t>
             </a:fld>
             <a:endParaRPr lang="en-US" dirty="0">
               <a:solidFill>
@@ -13420,7 +13420,7 @@
         <p:spPr>
           <a:xfrm>
             <a:off x="584200" y="1435100"/>
-            <a:ext cx="11018838" cy="4813625"/>
+            <a:ext cx="11018838" cy="5121402"/>
           </a:xfrm>
         </p:spPr>
         <p:txBody>
@@ -13474,25 +13474,42 @@
               </a:rPr>
               <a:t>lr</a:t>
             </a:r>
-            <a:r>
-              <a:rPr lang="en-US" dirty="0"/>
-              <a:t> and </a:t>
+            <a:endParaRPr lang="en-US" dirty="0">
+              <a:latin typeface="Consolas" panose="020B0609020204030204" pitchFamily="49" charset="0"/>
+            </a:endParaRPr>
+          </a:p>
+          <a:p>
+            <a:pPr lvl="1"/>
+            <a:r>
+              <a:rPr lang="en-US" dirty="0"/>
+              <a:t>If you have a CUDA GPU, increase the number of epochs in </a:t>
             </a:r>
             <a:r>
               <a:rPr lang="en-US" dirty="0" err="1">
                 <a:latin typeface="Consolas" panose="020B0609020204030204" pitchFamily="49" charset="0"/>
               </a:rPr>
-              <a:t>grad_norm</a:t>
-            </a:r>
-            <a:endParaRPr lang="en-US" dirty="0">
-              <a:latin typeface="Consolas" panose="020B0609020204030204" pitchFamily="49" charset="0"/>
-            </a:endParaRPr>
+              <a:t>train_wrapper</a:t>
+            </a:r>
+            <a:r>
+              <a:rPr lang="en-US" dirty="0"/>
+              <a:t>() in </a:t>
+            </a:r>
+            <a:r>
+              <a:rPr lang="en-US" dirty="0">
+                <a:latin typeface="Consolas" panose="020B0609020204030204" pitchFamily="49" charset="0"/>
+              </a:rPr>
+              <a:t>tune.py </a:t>
+            </a:r>
+            <a:r>
+              <a:rPr lang="en-US" dirty="0"/>
+              <a:t>for better accuracy</a:t>
+            </a:r>
           </a:p>
           <a:p>
             <a:pPr lvl="1"/>
             <a:r>
               <a:rPr lang="en-US" dirty="0"/>
-              <a:t>Look at the </a:t>
+              <a:t>Use to </a:t>
             </a:r>
             <a:r>
               <a:rPr lang="en-US" dirty="0">
@@ -13502,7 +13519,7 @@
             </a:r>
             <a:r>
               <a:rPr lang="en-US" dirty="0"/>
-              <a:t> function in the </a:t>
+              <a:t> function from </a:t>
             </a:r>
             <a:r>
               <a:rPr lang="en-US" dirty="0">
@@ -13512,24 +13529,7 @@
             </a:r>
             <a:r>
               <a:rPr lang="en-US" dirty="0"/>
-              <a:t>file to see available parameters</a:t>
-            </a:r>
-          </a:p>
-          <a:p>
-            <a:pPr lvl="1"/>
-            <a:r>
-              <a:rPr lang="en-US" dirty="0"/>
-              <a:t>Modify to </a:t>
-            </a:r>
-            <a:r>
-              <a:rPr lang="en-US" dirty="0">
-                <a:latin typeface="Consolas" panose="020B0609020204030204" pitchFamily="49" charset="0"/>
-              </a:rPr>
-              <a:t>train()</a:t>
-            </a:r>
-            <a:r>
-              <a:rPr lang="en-US" dirty="0"/>
-              <a:t> function to add more parameters for tuning</a:t>
+              <a:t>to add more parameters for tuning</a:t>
             </a:r>
           </a:p>
           <a:p>
@@ -14455,7 +14455,47 @@
             </a:r>
             <a:r>
               <a:rPr lang="en-US" dirty="0"/>
-              <a:t> to save into ONNX format, run </a:t>
+              <a:t> to save into ONNX format (</a:t>
+            </a:r>
+            <a:r>
+              <a:rPr lang="en-US" dirty="0">
+                <a:highlight>
+                  <a:srgbClr val="FFFF00"/>
+                </a:highlight>
+              </a:rPr>
+              <a:t>remove JIT-</a:t>
+            </a:r>
+            <a:r>
+              <a:rPr lang="en-US" dirty="0" err="1">
+                <a:highlight>
+                  <a:srgbClr val="FFFF00"/>
+                </a:highlight>
+              </a:rPr>
+              <a:t>ing</a:t>
+            </a:r>
+            <a:r>
+              <a:rPr lang="en-US" dirty="0">
+                <a:highlight>
+                  <a:srgbClr val="FFFF00"/>
+                </a:highlight>
+              </a:rPr>
+              <a:t> of the model</a:t>
+            </a:r>
+            <a:r>
+              <a:rPr lang="en-US" dirty="0"/>
+              <a:t>), keep in mind that </a:t>
+            </a:r>
+            <a:r>
+              <a:rPr lang="en-US" dirty="0">
+                <a:highlight>
+                  <a:srgbClr val="FFFF00"/>
+                </a:highlight>
+              </a:rPr>
+              <a:t>batch axis is a dynamic axis</a:t>
+            </a:r>
+            <a:r>
+              <a:rPr lang="en-US" dirty="0"/>
+              <a:t>, run </a:t>
             </a:r>
             <a:r>
               <a:rPr lang="en-US" dirty="0">
@@ -14465,7 +14505,7 @@
             </a:r>
             <a:r>
               <a:rPr lang="en-US" dirty="0"/>
-              <a:t>, the training time and the validation accuracy should have no changes compared to the JIT step except some randomness</a:t>
+              <a:t>, </a:t>
             </a:r>
           </a:p>
           <a:p>
@@ -15826,7 +15866,7 @@
               <a:rPr lang="en-US" dirty="0">
                 <a:latin typeface="Consolas" panose="020B0609020204030204" pitchFamily="49" charset="0"/>
               </a:rPr>
-              <a:t>pip -r requirements-cpu.txt -f https://download.pytorch.org/whl/torch_stable.html</a:t>
+              <a:t>pip install -r requirements-cpu.txt -f https://download.pytorch.org/whl/torch_stable.html</a:t>
             </a:r>
           </a:p>
         </p:txBody>
@@ -17451,13 +17491,12 @@
 </file>
 
 <file path=customXml/item1.xml><?xml version="1.0" encoding="utf-8"?>
-<p:properties xmlns:p="http://schemas.microsoft.com/office/2006/metadata/properties" xmlns:xsi="http://www.w3.org/2001/XMLSchema-instance" xmlns:pc="http://schemas.microsoft.com/office/infopath/2007/PartnerControls">
-  <documentManagement>
-    <_ip_UnifiedCompliancePolicyUIAction xmlns="http://schemas.microsoft.com/sharepoint/v3" xsi:nil="true"/>
-    <_ip_UnifiedCompliancePolicyProperties xmlns="http://schemas.microsoft.com/sharepoint/v3" xsi:nil="true"/>
-    <MediaServiceKeyPoints xmlns="e4aa919a-b200-49cb-beca-4c7e0810321e" xsi:nil="true"/>
-  </documentManagement>
-</p:properties>
+<?mso-contentType ?>
+<FormTemplates xmlns="http://schemas.microsoft.com/sharepoint/v3/contenttype/forms">
+  <Display>DocumentLibraryForm</Display>
+  <Edit>DocumentLibraryForm</Edit>
+  <New>DocumentLibraryForm</New>
+</FormTemplates>
 </file>
 
 <file path=customXml/item2.xml><?xml version="1.0" encoding="utf-8"?>
@@ -17695,28 +17734,19 @@
 </file>
 
 <file path=customXml/item3.xml><?xml version="1.0" encoding="utf-8"?>
-<?mso-contentType ?>
-<FormTemplates xmlns="http://schemas.microsoft.com/sharepoint/v3/contenttype/forms">
-  <Display>DocumentLibraryForm</Display>
-  <Edit>DocumentLibraryForm</Edit>
-  <New>DocumentLibraryForm</New>
-</FormTemplates>
+<p:properties xmlns:p="http://schemas.microsoft.com/office/2006/metadata/properties" xmlns:xsi="http://www.w3.org/2001/XMLSchema-instance" xmlns:pc="http://schemas.microsoft.com/office/infopath/2007/PartnerControls">
+  <documentManagement>
+    <_ip_UnifiedCompliancePolicyUIAction xmlns="http://schemas.microsoft.com/sharepoint/v3" xsi:nil="true"/>
+    <_ip_UnifiedCompliancePolicyProperties xmlns="http://schemas.microsoft.com/sharepoint/v3" xsi:nil="true"/>
+    <MediaServiceKeyPoints xmlns="e4aa919a-b200-49cb-beca-4c7e0810321e" xsi:nil="true"/>
+  </documentManagement>
+</p:properties>
 </file>
 
 <file path=customXml/itemProps1.xml><?xml version="1.0" encoding="utf-8"?>
-<ds:datastoreItem xmlns:ds="http://schemas.openxmlformats.org/officeDocument/2006/customXml" ds:itemID="{F990F116-B58F-4255-B05B-DA3808E0E5C6}">
+<ds:datastoreItem xmlns:ds="http://schemas.openxmlformats.org/officeDocument/2006/customXml" ds:itemID="{758FDAC0-319D-4A54-8D8E-1D42CB1F8004}">
   <ds:schemaRefs>
-    <ds:schemaRef ds:uri="http://schemas.microsoft.com/office/2006/metadata/properties"/>
-    <ds:schemaRef ds:uri="http://purl.org/dc/elements/1.1/"/>
-    <ds:schemaRef ds:uri="06670dda-0291-4061-b6e0-f6c0cb392c51"/>
-    <ds:schemaRef ds:uri="http://schemas.microsoft.com/sharepoint/v3"/>
-    <ds:schemaRef ds:uri="http://schemas.openxmlformats.org/package/2006/metadata/core-properties"/>
-    <ds:schemaRef ds:uri="http://purl.org/dc/terms/"/>
-    <ds:schemaRef ds:uri="http://schemas.microsoft.com/office/infopath/2007/PartnerControls"/>
-    <ds:schemaRef ds:uri="http://schemas.microsoft.com/office/2006/documentManagement/types"/>
-    <ds:schemaRef ds:uri="e4aa919a-b200-49cb-beca-4c7e0810321e"/>
-    <ds:schemaRef ds:uri="http://www.w3.org/XML/1998/namespace"/>
-    <ds:schemaRef ds:uri="http://purl.org/dc/dcmitype/"/>
+    <ds:schemaRef ds:uri="http://schemas.microsoft.com/sharepoint/v3/contenttype/forms"/>
   </ds:schemaRefs>
 </ds:datastoreItem>
 </file>
@@ -17742,9 +17772,19 @@
 </file>
 
 <file path=customXml/itemProps3.xml><?xml version="1.0" encoding="utf-8"?>
-<ds:datastoreItem xmlns:ds="http://schemas.openxmlformats.org/officeDocument/2006/customXml" ds:itemID="{758FDAC0-319D-4A54-8D8E-1D42CB1F8004}">
+<ds:datastoreItem xmlns:ds="http://schemas.openxmlformats.org/officeDocument/2006/customXml" ds:itemID="{F990F116-B58F-4255-B05B-DA3808E0E5C6}">
   <ds:schemaRefs>
-    <ds:schemaRef ds:uri="http://schemas.microsoft.com/sharepoint/v3/contenttype/forms"/>
+    <ds:schemaRef ds:uri="http://schemas.microsoft.com/office/2006/metadata/properties"/>
+    <ds:schemaRef ds:uri="http://purl.org/dc/elements/1.1/"/>
+    <ds:schemaRef ds:uri="06670dda-0291-4061-b6e0-f6c0cb392c51"/>
+    <ds:schemaRef ds:uri="http://schemas.microsoft.com/sharepoint/v3"/>
+    <ds:schemaRef ds:uri="http://schemas.openxmlformats.org/package/2006/metadata/core-properties"/>
+    <ds:schemaRef ds:uri="http://purl.org/dc/terms/"/>
+    <ds:schemaRef ds:uri="http://schemas.microsoft.com/office/infopath/2007/PartnerControls"/>
+    <ds:schemaRef ds:uri="http://schemas.microsoft.com/office/2006/documentManagement/types"/>
+    <ds:schemaRef ds:uri="e4aa919a-b200-49cb-beca-4c7e0810321e"/>
+    <ds:schemaRef ds:uri="http://www.w3.org/XML/1998/namespace"/>
+    <ds:schemaRef ds:uri="http://purl.org/dc/dcmitype/"/>
   </ds:schemaRefs>
 </ds:datastoreItem>
 </file>